--- a/EyeWindowsControllerwc/Система альтернативного управления ПК.pptx
+++ b/EyeWindowsControllerwc/Система альтернативного управления ПК.pptx
@@ -14,8 +14,9 @@
     <p:sldId id="263" r:id="rId8"/>
     <p:sldId id="262" r:id="rId9"/>
     <p:sldId id="264" r:id="rId10"/>
-    <p:sldId id="265" r:id="rId11"/>
-    <p:sldId id="266" r:id="rId12"/>
+    <p:sldId id="267" r:id="rId11"/>
+    <p:sldId id="265" r:id="rId12"/>
+    <p:sldId id="266" r:id="rId13"/>
   </p:sldIdLst>
   <p:sldSz cx="9144000" cy="6858000" type="screen4x3"/>
   <p:notesSz cx="6858000" cy="9144000"/>
@@ -299,7 +300,7 @@
             <a:fld id="{0FF848B0-DD1A-4711-9E6E-213E10A33411}" type="datetimeFigureOut">
               <a:rPr lang="ru-RU" smtClean="0"/>
               <a:pPr/>
-              <a:t>04.06.2016</a:t>
+              <a:t>07.06.2016</a:t>
             </a:fld>
             <a:endParaRPr lang="ru-RU"/>
           </a:p>
@@ -466,7 +467,7 @@
             <a:fld id="{0FF848B0-DD1A-4711-9E6E-213E10A33411}" type="datetimeFigureOut">
               <a:rPr lang="ru-RU" smtClean="0"/>
               <a:pPr/>
-              <a:t>04.06.2016</a:t>
+              <a:t>07.06.2016</a:t>
             </a:fld>
             <a:endParaRPr lang="ru-RU"/>
           </a:p>
@@ -643,7 +644,7 @@
             <a:fld id="{0FF848B0-DD1A-4711-9E6E-213E10A33411}" type="datetimeFigureOut">
               <a:rPr lang="ru-RU" smtClean="0"/>
               <a:pPr/>
-              <a:t>04.06.2016</a:t>
+              <a:t>07.06.2016</a:t>
             </a:fld>
             <a:endParaRPr lang="ru-RU"/>
           </a:p>
@@ -810,7 +811,7 @@
             <a:fld id="{0FF848B0-DD1A-4711-9E6E-213E10A33411}" type="datetimeFigureOut">
               <a:rPr lang="ru-RU" smtClean="0"/>
               <a:pPr/>
-              <a:t>04.06.2016</a:t>
+              <a:t>07.06.2016</a:t>
             </a:fld>
             <a:endParaRPr lang="ru-RU"/>
           </a:p>
@@ -1053,7 +1054,7 @@
             <a:fld id="{0FF848B0-DD1A-4711-9E6E-213E10A33411}" type="datetimeFigureOut">
               <a:rPr lang="ru-RU" smtClean="0"/>
               <a:pPr/>
-              <a:t>04.06.2016</a:t>
+              <a:t>07.06.2016</a:t>
             </a:fld>
             <a:endParaRPr lang="ru-RU"/>
           </a:p>
@@ -1338,7 +1339,7 @@
             <a:fld id="{0FF848B0-DD1A-4711-9E6E-213E10A33411}" type="datetimeFigureOut">
               <a:rPr lang="ru-RU" smtClean="0"/>
               <a:pPr/>
-              <a:t>04.06.2016</a:t>
+              <a:t>07.06.2016</a:t>
             </a:fld>
             <a:endParaRPr lang="ru-RU"/>
           </a:p>
@@ -1757,7 +1758,7 @@
             <a:fld id="{0FF848B0-DD1A-4711-9E6E-213E10A33411}" type="datetimeFigureOut">
               <a:rPr lang="ru-RU" smtClean="0"/>
               <a:pPr/>
-              <a:t>04.06.2016</a:t>
+              <a:t>07.06.2016</a:t>
             </a:fld>
             <a:endParaRPr lang="ru-RU"/>
           </a:p>
@@ -1872,7 +1873,7 @@
             <a:fld id="{0FF848B0-DD1A-4711-9E6E-213E10A33411}" type="datetimeFigureOut">
               <a:rPr lang="ru-RU" smtClean="0"/>
               <a:pPr/>
-              <a:t>04.06.2016</a:t>
+              <a:t>07.06.2016</a:t>
             </a:fld>
             <a:endParaRPr lang="ru-RU"/>
           </a:p>
@@ -1964,7 +1965,7 @@
             <a:fld id="{0FF848B0-DD1A-4711-9E6E-213E10A33411}" type="datetimeFigureOut">
               <a:rPr lang="ru-RU" smtClean="0"/>
               <a:pPr/>
-              <a:t>04.06.2016</a:t>
+              <a:t>07.06.2016</a:t>
             </a:fld>
             <a:endParaRPr lang="ru-RU"/>
           </a:p>
@@ -2238,7 +2239,7 @@
             <a:fld id="{0FF848B0-DD1A-4711-9E6E-213E10A33411}" type="datetimeFigureOut">
               <a:rPr lang="ru-RU" smtClean="0"/>
               <a:pPr/>
-              <a:t>04.06.2016</a:t>
+              <a:t>07.06.2016</a:t>
             </a:fld>
             <a:endParaRPr lang="ru-RU"/>
           </a:p>
@@ -2488,7 +2489,7 @@
             <a:fld id="{0FF848B0-DD1A-4711-9E6E-213E10A33411}" type="datetimeFigureOut">
               <a:rPr lang="ru-RU" smtClean="0"/>
               <a:pPr/>
-              <a:t>04.06.2016</a:t>
+              <a:t>07.06.2016</a:t>
             </a:fld>
             <a:endParaRPr lang="ru-RU"/>
           </a:p>
@@ -2698,7 +2699,7 @@
             <a:fld id="{0FF848B0-DD1A-4711-9E6E-213E10A33411}" type="datetimeFigureOut">
               <a:rPr lang="ru-RU" smtClean="0"/>
               <a:pPr/>
-              <a:t>04.06.2016</a:t>
+              <a:t>07.06.2016</a:t>
             </a:fld>
             <a:endParaRPr lang="ru-RU"/>
           </a:p>
@@ -3473,6 +3474,93 @@
           <a:p>
             <a:r>
               <a:rPr lang="ru-RU" dirty="0" smtClean="0"/>
+              <a:t>Результаты проекта</a:t>
+            </a:r>
+            <a:endParaRPr lang="ru-RU" dirty="0"/>
+          </a:p>
+        </p:txBody>
+      </p:sp>
+      <p:sp>
+        <p:nvSpPr>
+          <p:cNvPr id="3" name="Содержимое 2"/>
+          <p:cNvSpPr>
+            <a:spLocks noGrp="1"/>
+          </p:cNvSpPr>
+          <p:nvPr>
+            <p:ph idx="1"/>
+          </p:nvPr>
+        </p:nvSpPr>
+        <p:spPr/>
+        <p:txBody>
+          <a:bodyPr/>
+          <a:lstStyle/>
+          <a:p>
+            <a:r>
+              <a:rPr lang="ru-RU" dirty="0" smtClean="0"/>
+              <a:t>Рассмотрены популярные системы альтернативного управления ПК</a:t>
+            </a:r>
+          </a:p>
+          <a:p>
+            <a:r>
+              <a:rPr lang="ru-RU" dirty="0" smtClean="0"/>
+              <a:t>Исследован алгоритм слежения за объектом по цвету</a:t>
+            </a:r>
+          </a:p>
+          <a:p>
+            <a:r>
+              <a:rPr lang="ru-RU" dirty="0" smtClean="0"/>
+              <a:t>Создана собственная система управления ПК с помощью </a:t>
+            </a:r>
+            <a:r>
+              <a:rPr lang="ru-RU" dirty="0" err="1" smtClean="0"/>
+              <a:t>веб-камеры</a:t>
+            </a:r>
+            <a:endParaRPr lang="ru-RU" dirty="0"/>
+          </a:p>
+        </p:txBody>
+      </p:sp>
+    </p:spTree>
+  </p:cSld>
+  <p:clrMapOvr>
+    <a:masterClrMapping/>
+  </p:clrMapOvr>
+</p:sld>
+</file>
+
+<file path=ppt/slides/slide11.xml><?xml version="1.0" encoding="utf-8"?>
+<p:sld xmlns:a="http://schemas.openxmlformats.org/drawingml/2006/main" xmlns:r="http://schemas.openxmlformats.org/officeDocument/2006/relationships" xmlns:p="http://schemas.openxmlformats.org/presentationml/2006/main">
+  <p:cSld>
+    <p:spTree>
+      <p:nvGrpSpPr>
+        <p:cNvPr id="1" name=""/>
+        <p:cNvGrpSpPr/>
+        <p:nvPr/>
+      </p:nvGrpSpPr>
+      <p:grpSpPr>
+        <a:xfrm>
+          <a:off x="0" y="0"/>
+          <a:ext cx="0" cy="0"/>
+          <a:chOff x="0" y="0"/>
+          <a:chExt cx="0" cy="0"/>
+        </a:xfrm>
+      </p:grpSpPr>
+      <p:sp>
+        <p:nvSpPr>
+          <p:cNvPr id="2" name="Заголовок 1"/>
+          <p:cNvSpPr>
+            <a:spLocks noGrp="1"/>
+          </p:cNvSpPr>
+          <p:nvPr>
+            <p:ph type="title"/>
+          </p:nvPr>
+        </p:nvSpPr>
+        <p:spPr/>
+        <p:txBody>
+          <a:bodyPr/>
+          <a:lstStyle/>
+          <a:p>
+            <a:r>
+              <a:rPr lang="ru-RU" dirty="0" smtClean="0"/>
               <a:t>Развитие проекта</a:t>
             </a:r>
             <a:endParaRPr lang="ru-RU" dirty="0"/>
@@ -3538,7 +3626,7 @@
 </p:sld>
 </file>
 
-<file path=ppt/slides/slide11.xml><?xml version="1.0" encoding="utf-8"?>
+<file path=ppt/slides/slide12.xml><?xml version="1.0" encoding="utf-8"?>
 <p:sld xmlns:a="http://schemas.openxmlformats.org/drawingml/2006/main" xmlns:r="http://schemas.openxmlformats.org/officeDocument/2006/relationships" xmlns:p="http://schemas.openxmlformats.org/presentationml/2006/main">
   <p:cSld>
     <p:spTree>
@@ -3650,15 +3738,32 @@
             <p:ph idx="1"/>
           </p:nvPr>
         </p:nvSpPr>
-        <p:spPr/>
+        <p:spPr>
+          <a:xfrm>
+            <a:off x="457200" y="1628800"/>
+            <a:ext cx="8229600" cy="4525963"/>
+          </a:xfrm>
+        </p:spPr>
         <p:txBody>
           <a:bodyPr/>
           <a:lstStyle/>
           <a:p>
             <a:r>
               <a:rPr lang="ru-RU" dirty="0" smtClean="0"/>
-              <a:t>Рассмотреть примеры существующих систем альтернативного управления ПК</a:t>
-            </a:r>
+              <a:t>Рассмотреть примеры существующих систем альтернативного управления </a:t>
+            </a:r>
+            <a:r>
+              <a:rPr lang="ru-RU" dirty="0" smtClean="0"/>
+              <a:t>ПК</a:t>
+            </a:r>
+            <a:endParaRPr lang="en-US" dirty="0" smtClean="0"/>
+          </a:p>
+          <a:p>
+            <a:r>
+              <a:rPr lang="ru-RU" dirty="0" smtClean="0"/>
+              <a:t>Изучить алгоритмы слежения за объектом по цвету</a:t>
+            </a:r>
+            <a:endParaRPr lang="ru-RU" dirty="0" smtClean="0"/>
           </a:p>
           <a:p>
             <a:r>
@@ -4856,11 +4961,7 @@
             </a:r>
             <a:r>
               <a:rPr lang="en-US" dirty="0" smtClean="0"/>
-              <a:t> </a:t>
-            </a:r>
-            <a:r>
-              <a:rPr lang="en-US" dirty="0" smtClean="0"/>
-              <a:t>I + 1</a:t>
+              <a:t> I + 1</a:t>
             </a:r>
             <a:endParaRPr lang="ru-RU" dirty="0"/>
           </a:p>
@@ -4967,11 +5068,7 @@
           <a:p>
             <a:r>
               <a:rPr lang="ru-RU" dirty="0" smtClean="0"/>
-              <a:t>Подходит </a:t>
-            </a:r>
-            <a:r>
-              <a:rPr lang="ru-RU" dirty="0" smtClean="0"/>
-              <a:t>под программу «</a:t>
+              <a:t>Подходит под программу «</a:t>
             </a:r>
             <a:r>
               <a:rPr lang="ru-RU" dirty="0" err="1" smtClean="0"/>
@@ -4981,7 +5078,6 @@
               <a:rPr lang="ru-RU" dirty="0" smtClean="0"/>
               <a:t>»</a:t>
             </a:r>
-            <a:endParaRPr lang="ru-RU" dirty="0" smtClean="0"/>
           </a:p>
         </p:txBody>
       </p:sp>
